--- a/Unreal Fest East 2017報告「ドラゴンクエスト11への道」/Unreal Fest East 2017報告「ドラゴンクエスト11への道」.pptx
+++ b/Unreal Fest East 2017報告「ドラゴンクエスト11への道」/Unreal Fest East 2017報告「ドラゴンクエスト11への道」.pptx
@@ -216,7 +216,7 @@
           <a:p>
             <a:fld id="{C1499CE2-496F-437B-BE47-35D355C01450}" type="datetimeFigureOut">
               <a:rPr kumimoji="1" lang="ja-JP" altLang="en-US" smtClean="0"/>
-              <a:t>2017/11/26</a:t>
+              <a:t>2017/11/27</a:t>
             </a:fld>
             <a:endParaRPr kumimoji="1" lang="ja-JP" altLang="en-US"/>
           </a:p>
@@ -1205,7 +1205,7 @@
           <a:p>
             <a:fld id="{9B65296A-9C14-4429-82D1-BFD6219BFF01}" type="datetimeFigureOut">
               <a:rPr kumimoji="1" lang="ja-JP" altLang="en-US" smtClean="0"/>
-              <a:t>2017/11/26</a:t>
+              <a:t>2017/11/27</a:t>
             </a:fld>
             <a:endParaRPr kumimoji="1" lang="ja-JP" altLang="en-US"/>
           </a:p>
@@ -1510,7 +1510,7 @@
           <a:p>
             <a:fld id="{9B65296A-9C14-4429-82D1-BFD6219BFF01}" type="datetimeFigureOut">
               <a:rPr kumimoji="1" lang="ja-JP" altLang="en-US" smtClean="0"/>
-              <a:t>2017/11/26</a:t>
+              <a:t>2017/11/27</a:t>
             </a:fld>
             <a:endParaRPr kumimoji="1" lang="ja-JP" altLang="en-US"/>
           </a:p>
@@ -1702,7 +1702,7 @@
           <a:p>
             <a:fld id="{9B65296A-9C14-4429-82D1-BFD6219BFF01}" type="datetimeFigureOut">
               <a:rPr kumimoji="1" lang="ja-JP" altLang="en-US" smtClean="0"/>
-              <a:t>2017/11/26</a:t>
+              <a:t>2017/11/27</a:t>
             </a:fld>
             <a:endParaRPr kumimoji="1" lang="ja-JP" altLang="en-US"/>
           </a:p>
@@ -1963,7 +1963,7 @@
           <a:p>
             <a:fld id="{9B65296A-9C14-4429-82D1-BFD6219BFF01}" type="datetimeFigureOut">
               <a:rPr kumimoji="1" lang="ja-JP" altLang="en-US" smtClean="0"/>
-              <a:t>2017/11/26</a:t>
+              <a:t>2017/11/27</a:t>
             </a:fld>
             <a:endParaRPr kumimoji="1" lang="ja-JP" altLang="en-US"/>
           </a:p>
@@ -2387,7 +2387,7 @@
           <a:p>
             <a:fld id="{9B65296A-9C14-4429-82D1-BFD6219BFF01}" type="datetimeFigureOut">
               <a:rPr kumimoji="1" lang="ja-JP" altLang="en-US" smtClean="0"/>
-              <a:t>2017/11/26</a:t>
+              <a:t>2017/11/27</a:t>
             </a:fld>
             <a:endParaRPr kumimoji="1" lang="ja-JP" altLang="en-US"/>
           </a:p>
@@ -2924,7 +2924,7 @@
           <a:p>
             <a:fld id="{9B65296A-9C14-4429-82D1-BFD6219BFF01}" type="datetimeFigureOut">
               <a:rPr kumimoji="1" lang="ja-JP" altLang="en-US" smtClean="0"/>
-              <a:t>2017/11/26</a:t>
+              <a:t>2017/11/27</a:t>
             </a:fld>
             <a:endParaRPr kumimoji="1" lang="ja-JP" altLang="en-US"/>
           </a:p>
@@ -3788,7 +3788,7 @@
           <a:p>
             <a:fld id="{9B65296A-9C14-4429-82D1-BFD6219BFF01}" type="datetimeFigureOut">
               <a:rPr kumimoji="1" lang="ja-JP" altLang="en-US" smtClean="0"/>
-              <a:t>2017/11/26</a:t>
+              <a:t>2017/11/27</a:t>
             </a:fld>
             <a:endParaRPr kumimoji="1" lang="ja-JP" altLang="en-US"/>
           </a:p>
@@ -3990,7 +3990,7 @@
           <a:p>
             <a:fld id="{9B65296A-9C14-4429-82D1-BFD6219BFF01}" type="datetimeFigureOut">
               <a:rPr kumimoji="1" lang="ja-JP" altLang="en-US" smtClean="0"/>
-              <a:t>2017/11/26</a:t>
+              <a:t>2017/11/27</a:t>
             </a:fld>
             <a:endParaRPr kumimoji="1" lang="ja-JP" altLang="en-US"/>
           </a:p>
@@ -4206,7 +4206,7 @@
           <a:p>
             <a:fld id="{9B65296A-9C14-4429-82D1-BFD6219BFF01}" type="datetimeFigureOut">
               <a:rPr kumimoji="1" lang="ja-JP" altLang="en-US" smtClean="0"/>
-              <a:t>2017/11/26</a:t>
+              <a:t>2017/11/27</a:t>
             </a:fld>
             <a:endParaRPr kumimoji="1" lang="ja-JP" altLang="en-US"/>
           </a:p>
@@ -4415,7 +4415,7 @@
           <a:p>
             <a:fld id="{9B65296A-9C14-4429-82D1-BFD6219BFF01}" type="datetimeFigureOut">
               <a:rPr kumimoji="1" lang="ja-JP" altLang="en-US" smtClean="0"/>
-              <a:t>2017/11/26</a:t>
+              <a:t>2017/11/27</a:t>
             </a:fld>
             <a:endParaRPr kumimoji="1" lang="ja-JP" altLang="en-US"/>
           </a:p>
@@ -4659,7 +4659,7 @@
           <a:p>
             <a:fld id="{9B65296A-9C14-4429-82D1-BFD6219BFF01}" type="datetimeFigureOut">
               <a:rPr kumimoji="1" lang="ja-JP" altLang="en-US" smtClean="0"/>
-              <a:t>2017/11/26</a:t>
+              <a:t>2017/11/27</a:t>
             </a:fld>
             <a:endParaRPr kumimoji="1" lang="ja-JP" altLang="en-US"/>
           </a:p>
@@ -4959,7 +4959,7 @@
           <a:p>
             <a:fld id="{9B65296A-9C14-4429-82D1-BFD6219BFF01}" type="datetimeFigureOut">
               <a:rPr kumimoji="1" lang="ja-JP" altLang="en-US" smtClean="0"/>
-              <a:t>2017/11/26</a:t>
+              <a:t>2017/11/27</a:t>
             </a:fld>
             <a:endParaRPr kumimoji="1" lang="ja-JP" altLang="en-US"/>
           </a:p>
@@ -5489,7 +5489,7 @@
           <a:p>
             <a:fld id="{9B65296A-9C14-4429-82D1-BFD6219BFF01}" type="datetimeFigureOut">
               <a:rPr kumimoji="1" lang="ja-JP" altLang="en-US" smtClean="0"/>
-              <a:t>2017/11/26</a:t>
+              <a:t>2017/11/27</a:t>
             </a:fld>
             <a:endParaRPr kumimoji="1" lang="ja-JP" altLang="en-US"/>
           </a:p>
@@ -5607,7 +5607,7 @@
           <a:p>
             <a:fld id="{9B65296A-9C14-4429-82D1-BFD6219BFF01}" type="datetimeFigureOut">
               <a:rPr kumimoji="1" lang="ja-JP" altLang="en-US" smtClean="0"/>
-              <a:t>2017/11/26</a:t>
+              <a:t>2017/11/27</a:t>
             </a:fld>
             <a:endParaRPr kumimoji="1" lang="ja-JP" altLang="en-US"/>
           </a:p>
@@ -5702,7 +5702,7 @@
           <a:p>
             <a:fld id="{9B65296A-9C14-4429-82D1-BFD6219BFF01}" type="datetimeFigureOut">
               <a:rPr kumimoji="1" lang="ja-JP" altLang="en-US" smtClean="0"/>
-              <a:t>2017/11/26</a:t>
+              <a:t>2017/11/27</a:t>
             </a:fld>
             <a:endParaRPr kumimoji="1" lang="ja-JP" altLang="en-US"/>
           </a:p>
@@ -5989,7 +5989,7 @@
           <a:p>
             <a:fld id="{9B65296A-9C14-4429-82D1-BFD6219BFF01}" type="datetimeFigureOut">
               <a:rPr kumimoji="1" lang="ja-JP" altLang="en-US" smtClean="0"/>
-              <a:t>2017/11/26</a:t>
+              <a:t>2017/11/27</a:t>
             </a:fld>
             <a:endParaRPr kumimoji="1" lang="ja-JP" altLang="en-US"/>
           </a:p>
@@ -6289,7 +6289,7 @@
           <a:p>
             <a:fld id="{9B65296A-9C14-4429-82D1-BFD6219BFF01}" type="datetimeFigureOut">
               <a:rPr kumimoji="1" lang="ja-JP" altLang="en-US" smtClean="0"/>
-              <a:t>2017/11/26</a:t>
+              <a:t>2017/11/27</a:t>
             </a:fld>
             <a:endParaRPr kumimoji="1" lang="ja-JP" altLang="en-US"/>
           </a:p>
@@ -6555,7 +6555,7 @@
           <a:p>
             <a:fld id="{9B65296A-9C14-4429-82D1-BFD6219BFF01}" type="datetimeFigureOut">
               <a:rPr kumimoji="1" lang="ja-JP" altLang="en-US" smtClean="0"/>
-              <a:t>2017/11/26</a:t>
+              <a:t>2017/11/27</a:t>
             </a:fld>
             <a:endParaRPr kumimoji="1" lang="ja-JP" altLang="en-US"/>
           </a:p>
@@ -7290,14 +7290,7 @@
                 <a:latin typeface="HGPｺﾞｼｯｸE" panose="020B0900000000000000" pitchFamily="50" charset="-128"/>
                 <a:ea typeface="HGPｺﾞｼｯｸE" panose="020B0900000000000000" pitchFamily="50" charset="-128"/>
               </a:rPr>
-              <a:t>「</a:t>
-            </a:r>
-            <a:r>
-              <a:rPr lang="ja-JP" altLang="en-US" dirty="0" smtClean="0">
-                <a:latin typeface="HGPｺﾞｼｯｸE" panose="020B0900000000000000" pitchFamily="50" charset="-128"/>
-                <a:ea typeface="HGPｺﾞｼｯｸE" panose="020B0900000000000000" pitchFamily="50" charset="-128"/>
-              </a:rPr>
-              <a:t>ドラゴンクエスト</a:t>
+              <a:t>「ドラゴンクエスト</a:t>
             </a:r>
             <a:r>
               <a:rPr lang="en-US" altLang="ja-JP" dirty="0" err="1" smtClean="0">
@@ -7312,14 +7305,7 @@
                 <a:latin typeface="HGPｺﾞｼｯｸE" panose="020B0900000000000000" pitchFamily="50" charset="-128"/>
                 <a:ea typeface="HGPｺﾞｼｯｸE" panose="020B0900000000000000" pitchFamily="50" charset="-128"/>
               </a:rPr>
-              <a:t>へ</a:t>
-            </a:r>
-            <a:r>
-              <a:rPr lang="ja-JP" altLang="en-US" dirty="0" err="1" smtClean="0">
-                <a:latin typeface="HGPｺﾞｼｯｸE" panose="020B0900000000000000" pitchFamily="50" charset="-128"/>
-                <a:ea typeface="HGPｺﾞｼｯｸE" panose="020B0900000000000000" pitchFamily="50" charset="-128"/>
-              </a:rPr>
-              <a:t>の</a:t>
+              <a:t>への</a:t>
             </a:r>
             <a:r>
               <a:rPr lang="ja-JP" altLang="en-US" dirty="0" smtClean="0">
@@ -7773,15 +7759,7 @@
                 <a:latin typeface="HGPｺﾞｼｯｸE" panose="020B0900000000000000" pitchFamily="50" charset="-128"/>
                 <a:ea typeface="HGPｺﾞｼｯｸE" panose="020B0900000000000000" pitchFamily="50" charset="-128"/>
               </a:rPr>
-              <a:t>   </a:t>
-            </a:r>
-            <a:r>
-              <a:rPr lang="en-US" altLang="ja-JP" sz="2200" dirty="0" smtClean="0">
-                <a:effectLst/>
-                <a:latin typeface="HGPｺﾞｼｯｸE" panose="020B0900000000000000" pitchFamily="50" charset="-128"/>
-                <a:ea typeface="HGPｺﾞｼｯｸE" panose="020B0900000000000000" pitchFamily="50" charset="-128"/>
-              </a:rPr>
-              <a:t> - </a:t>
+              <a:t>    - </a:t>
             </a:r>
             <a:r>
               <a:rPr lang="ja-JP" altLang="en-US" sz="2200" dirty="0" smtClean="0">
@@ -8180,15 +8158,7 @@
                 <a:latin typeface="HGPｺﾞｼｯｸE" panose="020B0900000000000000" pitchFamily="50" charset="-128"/>
                 <a:ea typeface="HGPｺﾞｼｯｸE" panose="020B0900000000000000" pitchFamily="50" charset="-128"/>
               </a:rPr>
-              <a:t>   </a:t>
-            </a:r>
-            <a:r>
-              <a:rPr lang="en-US" altLang="ja-JP" sz="2800" dirty="0" smtClean="0">
-                <a:effectLst/>
-                <a:latin typeface="HGPｺﾞｼｯｸE" panose="020B0900000000000000" pitchFamily="50" charset="-128"/>
-                <a:ea typeface="HGPｺﾞｼｯｸE" panose="020B0900000000000000" pitchFamily="50" charset="-128"/>
-              </a:rPr>
-              <a:t> - 4</a:t>
+              <a:t>    - 4</a:t>
             </a:r>
             <a:r>
               <a:rPr lang="ja-JP" altLang="en-US" sz="2800" dirty="0" smtClean="0">
@@ -8941,7 +8911,23 @@
                 <a:latin typeface="HGPｺﾞｼｯｸE" panose="020B0900000000000000" pitchFamily="50" charset="-128"/>
                 <a:ea typeface="HGPｺﾞｼｯｸE" panose="020B0900000000000000" pitchFamily="50" charset="-128"/>
               </a:rPr>
-              <a:t>にスカイライトの代わりとなるものがあるみたい</a:t>
+              <a:t>に代わり</a:t>
+            </a:r>
+            <a:r>
+              <a:rPr lang="ja-JP" altLang="en-US" sz="2800" dirty="0" smtClean="0">
+                <a:effectLst/>
+                <a:latin typeface="HGPｺﾞｼｯｸE" panose="020B0900000000000000" pitchFamily="50" charset="-128"/>
+                <a:ea typeface="HGPｺﾞｼｯｸE" panose="020B0900000000000000" pitchFamily="50" charset="-128"/>
+              </a:rPr>
+              <a:t>となるものが</a:t>
+            </a:r>
+            <a:r>
+              <a:rPr lang="ja-JP" altLang="en-US" sz="2800" dirty="0" smtClean="0">
+                <a:effectLst/>
+                <a:latin typeface="HGPｺﾞｼｯｸE" panose="020B0900000000000000" pitchFamily="50" charset="-128"/>
+                <a:ea typeface="HGPｺﾞｼｯｸE" panose="020B0900000000000000" pitchFamily="50" charset="-128"/>
+              </a:rPr>
+              <a:t>あるため</a:t>
             </a:r>
             <a:endParaRPr lang="en-US" altLang="ja-JP" sz="2800" dirty="0" smtClean="0">
               <a:effectLst/>
@@ -10801,15 +10787,7 @@
                 <a:latin typeface="HGPｺﾞｼｯｸE" panose="020B0900000000000000" pitchFamily="50" charset="-128"/>
                 <a:ea typeface="HGPｺﾞｼｯｸE" panose="020B0900000000000000" pitchFamily="50" charset="-128"/>
               </a:rPr>
-              <a:t>キャラクター</a:t>
-            </a:r>
-            <a:r>
-              <a:rPr lang="ja-JP" altLang="en-US" sz="2800" dirty="0" smtClean="0">
-                <a:effectLst/>
-                <a:latin typeface="HGPｺﾞｼｯｸE" panose="020B0900000000000000" pitchFamily="50" charset="-128"/>
-                <a:ea typeface="HGPｺﾞｼｯｸE" panose="020B0900000000000000" pitchFamily="50" charset="-128"/>
-              </a:rPr>
-              <a:t>表現</a:t>
+              <a:t>キャラクター表現</a:t>
             </a:r>
             <a:endParaRPr lang="en-US" altLang="ja-JP" sz="2800" dirty="0" smtClean="0">
               <a:effectLst/>
@@ -11181,15 +11159,7 @@
                 <a:latin typeface="HGPｺﾞｼｯｸE" panose="020B0900000000000000" pitchFamily="50" charset="-128"/>
                 <a:ea typeface="HGPｺﾞｼｯｸE" panose="020B0900000000000000" pitchFamily="50" charset="-128"/>
               </a:rPr>
-              <a:t>の</a:t>
-            </a:r>
-            <a:r>
-              <a:rPr lang="ja-JP" altLang="en-US" sz="2800" dirty="0" smtClean="0">
-                <a:effectLst/>
-                <a:latin typeface="HGPｺﾞｼｯｸE" panose="020B0900000000000000" pitchFamily="50" charset="-128"/>
-                <a:ea typeface="HGPｺﾞｼｯｸE" panose="020B0900000000000000" pitchFamily="50" charset="-128"/>
-              </a:rPr>
-              <a:t>オープニングムービーのルックを目指す</a:t>
+              <a:t>のオープニングムービーのルックを目指す</a:t>
             </a:r>
             <a:endParaRPr lang="en-US" altLang="ja-JP" sz="2800" dirty="0" smtClean="0">
               <a:effectLst/>
@@ -11522,15 +11492,7 @@
                 <a:latin typeface="HGPｺﾞｼｯｸE" panose="020B0900000000000000" pitchFamily="50" charset="-128"/>
                 <a:ea typeface="HGPｺﾞｼｯｸE" panose="020B0900000000000000" pitchFamily="50" charset="-128"/>
               </a:rPr>
-              <a:t>   </a:t>
-            </a:r>
-            <a:r>
-              <a:rPr lang="en-US" altLang="ja-JP" sz="2800" dirty="0" smtClean="0">
-                <a:effectLst/>
-                <a:latin typeface="HGPｺﾞｼｯｸE" panose="020B0900000000000000" pitchFamily="50" charset="-128"/>
-                <a:ea typeface="HGPｺﾞｼｯｸE" panose="020B0900000000000000" pitchFamily="50" charset="-128"/>
-              </a:rPr>
-              <a:t> - </a:t>
+              <a:t>    - </a:t>
             </a:r>
             <a:r>
               <a:rPr lang="ja-JP" altLang="en-US" sz="2800" dirty="0" smtClean="0">
@@ -12107,15 +12069,7 @@
                 <a:latin typeface="HGPｺﾞｼｯｸE" panose="020B0900000000000000" pitchFamily="50" charset="-128"/>
                 <a:ea typeface="HGPｺﾞｼｯｸE" panose="020B0900000000000000" pitchFamily="50" charset="-128"/>
               </a:rPr>
-              <a:t>   </a:t>
-            </a:r>
-            <a:r>
-              <a:rPr lang="en-US" altLang="ja-JP" sz="2800" dirty="0" smtClean="0">
-                <a:effectLst/>
-                <a:latin typeface="HGPｺﾞｼｯｸE" panose="020B0900000000000000" pitchFamily="50" charset="-128"/>
-                <a:ea typeface="HGPｺﾞｼｯｸE" panose="020B0900000000000000" pitchFamily="50" charset="-128"/>
-              </a:rPr>
-              <a:t> - </a:t>
+              <a:t>    - </a:t>
             </a:r>
             <a:r>
               <a:rPr lang="ja-JP" altLang="en-US" sz="2800" dirty="0" smtClean="0">
